--- a/lecture/introduction/CIVE497_700_Yeum_Course_Syllabus_V4.pptx
+++ b/lecture/introduction/CIVE497_700_Yeum_Course_Syllabus_V4.pptx
@@ -218,7 +218,7 @@
           <a:p>
             <a:fld id="{13E75988-E810-4ED2-807B-BBB9B433CF26}" type="datetimeFigureOut">
               <a:rPr lang="en-US" smtClean="0"/>
-              <a:t>1/7/2019</a:t>
+              <a:t>1/8/2019</a:t>
             </a:fld>
             <a:endParaRPr lang="en-US"/>
           </a:p>
@@ -1275,7 +1275,7 @@
           <a:p>
             <a:fld id="{EA5CD5D7-1376-454F-9D0D-56EF872F8D99}" type="datetimeFigureOut">
               <a:rPr lang="en-US" smtClean="0"/>
-              <a:t>1/7/2019</a:t>
+              <a:t>1/8/2019</a:t>
             </a:fld>
             <a:endParaRPr lang="en-US"/>
           </a:p>
@@ -4740,7 +4740,6 @@
               <a:rPr lang="en-US" sz="2400" dirty="0" smtClean="0"/>
               <a:t> </a:t>
             </a:r>
-            <a:endParaRPr lang="en-US" sz="2400" dirty="0" smtClean="0"/>
           </a:p>
           <a:p>
             <a:pPr marL="342900" indent="-342900">
@@ -4760,13 +4759,8 @@
             </a:r>
             <a:r>
               <a:rPr lang="en-US" sz="2400" dirty="0" smtClean="0"/>
-              <a:t>and </a:t>
-            </a:r>
-            <a:r>
-              <a:rPr lang="en-US" sz="2400" dirty="0" smtClean="0"/>
-              <a:t>Python</a:t>
-            </a:r>
-            <a:endParaRPr lang="en-US" sz="2400" dirty="0" smtClean="0"/>
+              <a:t>and Python</a:t>
+            </a:r>
           </a:p>
           <a:p>
             <a:pPr marL="342900" indent="-342900">
@@ -4795,11 +4789,7 @@
             </a:pPr>
             <a:r>
               <a:rPr lang="en-US" sz="2400" dirty="0" smtClean="0"/>
-              <a:t>Power </a:t>
-            </a:r>
-            <a:r>
-              <a:rPr lang="en-US" sz="2400" dirty="0" smtClean="0"/>
-              <a:t>points </a:t>
+              <a:t>Power points </a:t>
             </a:r>
           </a:p>
           <a:p>
@@ -4956,8 +4946,17 @@
               <a:rPr lang="en-US" sz="2400" dirty="0" smtClean="0">
                 <a:cs typeface="Arial" pitchFamily="34" charset="0"/>
               </a:rPr>
-              <a:t>Ask as many questions as you can through the course website</a:t>
-            </a:r>
+              <a:t>Ask as many questions as you can through the course </a:t>
+            </a:r>
+            <a:r>
+              <a:rPr lang="en-US" sz="2400" dirty="0" smtClean="0">
+                <a:cs typeface="Arial" pitchFamily="34" charset="0"/>
+              </a:rPr>
+              <a:t>website.</a:t>
+            </a:r>
+            <a:endParaRPr lang="en-US" sz="2400" dirty="0" smtClean="0">
+              <a:cs typeface="Arial" pitchFamily="34" charset="0"/>
+            </a:endParaRPr>
           </a:p>
           <a:p>
             <a:pPr marL="342900" indent="-342900">
@@ -4980,7 +4979,25 @@
               <a:rPr lang="en-US" sz="2400" dirty="0" smtClean="0">
                 <a:cs typeface="Arial" pitchFamily="34" charset="0"/>
               </a:rPr>
-              <a:t>Get your project idea from course and the instructor's prior research</a:t>
+              <a:t>Get your project idea </a:t>
+            </a:r>
+            <a:r>
+              <a:rPr lang="en-US" sz="2400" smtClean="0">
+                <a:cs typeface="Arial" pitchFamily="34" charset="0"/>
+              </a:rPr>
+              <a:t>from </a:t>
+            </a:r>
+            <a:r>
+              <a:rPr lang="en-US" sz="2400" smtClean="0">
+                <a:cs typeface="Arial" pitchFamily="34" charset="0"/>
+              </a:rPr>
+              <a:t>the course </a:t>
+            </a:r>
+            <a:r>
+              <a:rPr lang="en-US" sz="2400" dirty="0" smtClean="0">
+                <a:cs typeface="Arial" pitchFamily="34" charset="0"/>
+              </a:rPr>
+              <a:t>and the instructor's prior research</a:t>
             </a:r>
           </a:p>
           <a:p>
@@ -5648,9 +5665,6 @@
               </a:rPr>
               <a:t>Tell us what you want to get from this course? </a:t>
             </a:r>
-            <a:endParaRPr lang="en-US" sz="2800" u="sng" dirty="0" smtClean="0">
-              <a:cs typeface="Arial" pitchFamily="34" charset="0"/>
-            </a:endParaRPr>
           </a:p>
         </p:txBody>
       </p:sp>

--- a/lecture/introduction/CIVE497_700_Yeum_Course_Syllabus_V4.pptx
+++ b/lecture/introduction/CIVE497_700_Yeum_Course_Syllabus_V4.pptx
@@ -6,7 +6,7 @@
     <p:sldMasterId id="2147483665" r:id="rId2"/>
   </p:sldMasterIdLst>
   <p:notesMasterIdLst>
-    <p:notesMasterId r:id="rId13"/>
+    <p:notesMasterId r:id="rId14"/>
   </p:notesMasterIdLst>
   <p:sldIdLst>
     <p:sldId id="256" r:id="rId3"/>
@@ -18,7 +18,8 @@
     <p:sldId id="274" r:id="rId9"/>
     <p:sldId id="277" r:id="rId10"/>
     <p:sldId id="271" r:id="rId11"/>
-    <p:sldId id="276" r:id="rId12"/>
+    <p:sldId id="278" r:id="rId12"/>
+    <p:sldId id="276" r:id="rId13"/>
   </p:sldIdLst>
   <p:sldSz cx="12192000" cy="6858000"/>
   <p:notesSz cx="6858000" cy="9144000"/>
@@ -218,7 +219,7 @@
           <a:p>
             <a:fld id="{13E75988-E810-4ED2-807B-BBB9B433CF26}" type="datetimeFigureOut">
               <a:rPr lang="en-US" smtClean="0"/>
-              <a:t>1/8/2019</a:t>
+              <a:t>1/9/2019</a:t>
             </a:fld>
             <a:endParaRPr lang="en-US"/>
           </a:p>
@@ -735,7 +736,7 @@
           <a:p>
             <a:fld id="{DE44ADC8-2C19-4BE8-86D5-BC195D32109F}" type="slidenum">
               <a:rPr lang="en-US" smtClean="0"/>
-              <a:t>10</a:t>
+              <a:t>11</a:t>
             </a:fld>
             <a:endParaRPr lang="en-US"/>
           </a:p>
@@ -1275,7 +1276,7 @@
           <a:p>
             <a:fld id="{EA5CD5D7-1376-454F-9D0D-56EF872F8D99}" type="datetimeFigureOut">
               <a:rPr lang="en-US" smtClean="0"/>
-              <a:t>1/8/2019</a:t>
+              <a:t>1/9/2019</a:t>
             </a:fld>
             <a:endParaRPr lang="en-US"/>
           </a:p>
@@ -4087,6 +4088,136 @@
           <a:lstStyle/>
           <a:p>
             <a:r>
+              <a:rPr lang="en-US" dirty="0" err="1" smtClean="0"/>
+              <a:t>Matlab</a:t>
+            </a:r>
+            <a:r>
+              <a:rPr lang="en-US" dirty="0" smtClean="0"/>
+              <a:t> Live Editor</a:t>
+            </a:r>
+            <a:endParaRPr lang="en-US" dirty="0"/>
+          </a:p>
+        </p:txBody>
+      </p:sp>
+      <p:sp>
+        <p:nvSpPr>
+          <p:cNvPr id="3" name="Rectangle 2"/>
+          <p:cNvSpPr/>
+          <p:nvPr/>
+        </p:nvSpPr>
+        <p:spPr>
+          <a:xfrm>
+            <a:off x="241300" y="1267305"/>
+            <a:ext cx="11727180" cy="1200329"/>
+          </a:xfrm>
+          <a:prstGeom prst="rect">
+            <a:avLst/>
+          </a:prstGeom>
+        </p:spPr>
+        <p:txBody>
+          <a:bodyPr wrap="square">
+            <a:spAutoFit/>
+          </a:bodyPr>
+          <a:lstStyle/>
+          <a:p>
+            <a:pPr marL="285750" indent="-285750">
+              <a:lnSpc>
+                <a:spcPct val="200000"/>
+              </a:lnSpc>
+              <a:buFont typeface="Arial" panose="020B0604020202020204" pitchFamily="34" charset="0"/>
+              <a:buChar char="•"/>
+            </a:pPr>
+            <a:r>
+              <a:rPr lang="en-US" dirty="0" smtClean="0">
+                <a:solidFill>
+                  <a:srgbClr val="24292E"/>
+                </a:solidFill>
+                <a:latin typeface="-apple-system"/>
+              </a:rPr>
+              <a:t>Run</a:t>
+            </a:r>
+          </a:p>
+          <a:p>
+            <a:pPr marL="285750" indent="-285750">
+              <a:lnSpc>
+                <a:spcPct val="200000"/>
+              </a:lnSpc>
+              <a:buFont typeface="Arial" panose="020B0604020202020204" pitchFamily="34" charset="0"/>
+              <a:buChar char="•"/>
+            </a:pPr>
+            <a:r>
+              <a:rPr lang="en-US" b="0" i="0" dirty="0" smtClean="0">
+                <a:solidFill>
+                  <a:srgbClr val="24292E"/>
+                </a:solidFill>
+                <a:effectLst/>
+                <a:latin typeface="-apple-system"/>
+              </a:rPr>
+              <a:t>Run Section</a:t>
+            </a:r>
+            <a:endParaRPr lang="en-US" b="0" i="0" dirty="0">
+              <a:solidFill>
+                <a:srgbClr val="24292E"/>
+              </a:solidFill>
+              <a:effectLst/>
+              <a:latin typeface="-apple-system"/>
+            </a:endParaRPr>
+          </a:p>
+        </p:txBody>
+      </p:sp>
+    </p:spTree>
+    <p:extLst>
+      <p:ext uri="{BB962C8B-B14F-4D97-AF65-F5344CB8AC3E}">
+        <p14:creationId xmlns:p14="http://schemas.microsoft.com/office/powerpoint/2010/main" val="2382809458"/>
+      </p:ext>
+    </p:extLst>
+  </p:cSld>
+  <p:clrMapOvr>
+    <a:masterClrMapping/>
+  </p:clrMapOvr>
+  <p:timing>
+    <p:tnLst>
+      <p:par>
+        <p:cTn id="1" dur="indefinite" restart="never" nodeType="tmRoot"/>
+      </p:par>
+    </p:tnLst>
+  </p:timing>
+</p:sld>
+</file>
+
+<file path=ppt/slides/slide11.xml><?xml version="1.0" encoding="utf-8"?>
+<p:sld xmlns:a="http://schemas.openxmlformats.org/drawingml/2006/main" xmlns:r="http://schemas.openxmlformats.org/officeDocument/2006/relationships" xmlns:p="http://schemas.openxmlformats.org/presentationml/2006/main">
+  <p:cSld>
+    <p:spTree>
+      <p:nvGrpSpPr>
+        <p:cNvPr id="1" name=""/>
+        <p:cNvGrpSpPr/>
+        <p:nvPr/>
+      </p:nvGrpSpPr>
+      <p:grpSpPr>
+        <a:xfrm>
+          <a:off x="0" y="0"/>
+          <a:ext cx="0" cy="0"/>
+          <a:chOff x="0" y="0"/>
+          <a:chExt cx="0" cy="0"/>
+        </a:xfrm>
+      </p:grpSpPr>
+      <p:sp>
+        <p:nvSpPr>
+          <p:cNvPr id="2" name="Text Placeholder 1"/>
+          <p:cNvSpPr>
+            <a:spLocks noGrp="1"/>
+          </p:cNvSpPr>
+          <p:nvPr>
+            <p:ph type="body" sz="quarter" idx="10"/>
+          </p:nvPr>
+        </p:nvSpPr>
+        <p:spPr/>
+        <p:txBody>
+          <a:bodyPr/>
+          <a:lstStyle/>
+          <a:p>
+            <a:r>
               <a:rPr lang="en-US" dirty="0" smtClean="0"/>
               <a:t>Remark</a:t>
             </a:r>
@@ -4886,7 +5017,7 @@
         <p:spPr>
           <a:xfrm>
             <a:off x="241300" y="1168400"/>
-            <a:ext cx="11686540" cy="3785652"/>
+            <a:ext cx="11686540" cy="4154984"/>
           </a:xfrm>
           <a:prstGeom prst="rect">
             <a:avLst/>
@@ -4946,17 +5077,8 @@
               <a:rPr lang="en-US" sz="2400" dirty="0" smtClean="0">
                 <a:cs typeface="Arial" pitchFamily="34" charset="0"/>
               </a:rPr>
-              <a:t>Ask as many questions as you can through the course </a:t>
-            </a:r>
-            <a:r>
-              <a:rPr lang="en-US" sz="2400" dirty="0" smtClean="0">
-                <a:cs typeface="Arial" pitchFamily="34" charset="0"/>
-              </a:rPr>
-              <a:t>website.</a:t>
-            </a:r>
-            <a:endParaRPr lang="en-US" sz="2400" dirty="0" smtClean="0">
-              <a:cs typeface="Arial" pitchFamily="34" charset="0"/>
-            </a:endParaRPr>
+              <a:t>Ask as many questions as you can through the course website.</a:t>
+            </a:r>
           </a:p>
           <a:p>
             <a:pPr marL="342900" indent="-342900">
@@ -4979,26 +5101,29 @@
               <a:rPr lang="en-US" sz="2400" dirty="0" smtClean="0">
                 <a:cs typeface="Arial" pitchFamily="34" charset="0"/>
               </a:rPr>
-              <a:t>Get your project idea </a:t>
-            </a:r>
-            <a:r>
-              <a:rPr lang="en-US" sz="2400" smtClean="0">
-                <a:cs typeface="Arial" pitchFamily="34" charset="0"/>
-              </a:rPr>
-              <a:t>from </a:t>
-            </a:r>
-            <a:r>
-              <a:rPr lang="en-US" sz="2400" smtClean="0">
-                <a:cs typeface="Arial" pitchFamily="34" charset="0"/>
-              </a:rPr>
-              <a:t>the course </a:t>
+              <a:t>Get your project idea from the course and the instructor's prior </a:t>
             </a:r>
             <a:r>
               <a:rPr lang="en-US" sz="2400" dirty="0" smtClean="0">
                 <a:cs typeface="Arial" pitchFamily="34" charset="0"/>
               </a:rPr>
-              <a:t>and the instructor's prior research</a:t>
-            </a:r>
+              <a:t>research</a:t>
+            </a:r>
+          </a:p>
+          <a:p>
+            <a:pPr marL="342900" indent="-342900">
+              <a:buFont typeface="Arial" panose="020B0604020202020204" pitchFamily="34" charset="0"/>
+              <a:buChar char="•"/>
+            </a:pPr>
+            <a:r>
+              <a:rPr lang="en-US" sz="2400" dirty="0" smtClean="0">
+                <a:cs typeface="Arial" pitchFamily="34" charset="0"/>
+              </a:rPr>
+              <a:t>Make friends who are good at coding. </a:t>
+            </a:r>
+            <a:endParaRPr lang="en-US" sz="2400" dirty="0" smtClean="0">
+              <a:cs typeface="Arial" pitchFamily="34" charset="0"/>
+            </a:endParaRPr>
           </a:p>
           <a:p>
             <a:pPr marL="342900" indent="-342900">

--- a/lecture/introduction/CIVE497_700_Yeum_Course_Syllabus_V4.pptx
+++ b/lecture/introduction/CIVE497_700_Yeum_Course_Syllabus_V4.pptx
@@ -219,7 +219,7 @@
           <a:p>
             <a:fld id="{13E75988-E810-4ED2-807B-BBB9B433CF26}" type="datetimeFigureOut">
               <a:rPr lang="en-US" smtClean="0"/>
-              <a:t>1/9/2019</a:t>
+              <a:t>1/10/2019</a:t>
             </a:fld>
             <a:endParaRPr lang="en-US"/>
           </a:p>
@@ -1276,7 +1276,7 @@
           <a:p>
             <a:fld id="{EA5CD5D7-1376-454F-9D0D-56EF872F8D99}" type="datetimeFigureOut">
               <a:rPr lang="en-US" smtClean="0"/>
-              <a:t>1/9/2019</a:t>
+              <a:t>1/10/2019</a:t>
             </a:fld>
             <a:endParaRPr lang="en-US"/>
           </a:p>
@@ -4088,80 +4088,227 @@
           <a:lstStyle/>
           <a:p>
             <a:r>
-              <a:rPr lang="en-US" dirty="0" err="1" smtClean="0"/>
-              <a:t>Matlab</a:t>
-            </a:r>
-            <a:r>
               <a:rPr lang="en-US" dirty="0" smtClean="0"/>
-              <a:t> Live Editor</a:t>
+              <a:t>How To Use Tools</a:t>
             </a:r>
             <a:endParaRPr lang="en-US" dirty="0"/>
           </a:p>
         </p:txBody>
       </p:sp>
-      <p:sp>
-        <p:nvSpPr>
-          <p:cNvPr id="3" name="Rectangle 2"/>
+      <p:pic>
+        <p:nvPicPr>
+          <p:cNvPr id="1026" name="Picture 2" descr="Image result for matlab"/>
+          <p:cNvPicPr>
+            <a:picLocks noChangeAspect="1" noChangeArrowheads="1"/>
+          </p:cNvPicPr>
+          <p:nvPr/>
+        </p:nvPicPr>
+        <p:blipFill>
+          <a:blip r:embed="rId2" cstate="print">
+            <a:extLst>
+              <a:ext uri="{28A0092B-C50C-407E-A947-70E740481C1C}">
+                <a14:useLocalDpi xmlns:a14="http://schemas.microsoft.com/office/drawing/2010/main" val="0"/>
+              </a:ext>
+            </a:extLst>
+          </a:blip>
+          <a:srcRect/>
+          <a:stretch>
+            <a:fillRect/>
+          </a:stretch>
+        </p:blipFill>
+        <p:spPr bwMode="auto">
+          <a:xfrm>
+            <a:off x="1039283" y="1354666"/>
+            <a:ext cx="1828800" cy="1828800"/>
+          </a:xfrm>
+          <a:prstGeom prst="rect">
+            <a:avLst/>
+          </a:prstGeom>
+          <a:noFill/>
+          <a:extLst>
+            <a:ext uri="{909E8E84-426E-40DD-AFC4-6F175D3DCCD1}">
+              <a14:hiddenFill xmlns:a14="http://schemas.microsoft.com/office/drawing/2010/main">
+                <a:solidFill>
+                  <a:srgbClr val="FFFFFF"/>
+                </a:solidFill>
+              </a14:hiddenFill>
+            </a:ext>
+          </a:extLst>
+        </p:spPr>
+      </p:pic>
+      <p:pic>
+        <p:nvPicPr>
+          <p:cNvPr id="1028" name="Picture 4" descr="Image result for markdownpad"/>
+          <p:cNvPicPr>
+            <a:picLocks noChangeAspect="1" noChangeArrowheads="1"/>
+          </p:cNvPicPr>
+          <p:nvPr/>
+        </p:nvPicPr>
+        <p:blipFill>
+          <a:blip r:embed="rId3" cstate="print">
+            <a:extLst>
+              <a:ext uri="{28A0092B-C50C-407E-A947-70E740481C1C}">
+                <a14:useLocalDpi xmlns:a14="http://schemas.microsoft.com/office/drawing/2010/main" val="0"/>
+              </a:ext>
+            </a:extLst>
+          </a:blip>
+          <a:srcRect/>
+          <a:stretch>
+            <a:fillRect/>
+          </a:stretch>
+        </p:blipFill>
+        <p:spPr bwMode="auto">
+          <a:xfrm>
+            <a:off x="4708526" y="1282090"/>
+            <a:ext cx="2875492" cy="2059598"/>
+          </a:xfrm>
+          <a:prstGeom prst="rect">
+            <a:avLst/>
+          </a:prstGeom>
+          <a:noFill/>
+          <a:extLst>
+            <a:ext uri="{909E8E84-426E-40DD-AFC4-6F175D3DCCD1}">
+              <a14:hiddenFill xmlns:a14="http://schemas.microsoft.com/office/drawing/2010/main">
+                <a:solidFill>
+                  <a:srgbClr val="FFFFFF"/>
+                </a:solidFill>
+              </a14:hiddenFill>
+            </a:ext>
+          </a:extLst>
+        </p:spPr>
+      </p:pic>
+      <p:pic>
+        <p:nvPicPr>
+          <p:cNvPr id="1030" name="Picture 6" descr="Image result for github"/>
+          <p:cNvPicPr>
+            <a:picLocks noChangeAspect="1" noChangeArrowheads="1"/>
+          </p:cNvPicPr>
+          <p:nvPr/>
+        </p:nvPicPr>
+        <p:blipFill>
+          <a:blip r:embed="rId4" cstate="print">
+            <a:extLst>
+              <a:ext uri="{28A0092B-C50C-407E-A947-70E740481C1C}">
+                <a14:useLocalDpi xmlns:a14="http://schemas.microsoft.com/office/drawing/2010/main" val="0"/>
+              </a:ext>
+            </a:extLst>
+          </a:blip>
+          <a:srcRect/>
+          <a:stretch>
+            <a:fillRect/>
+          </a:stretch>
+        </p:blipFill>
+        <p:spPr bwMode="auto">
+          <a:xfrm>
+            <a:off x="8588375" y="1481667"/>
+            <a:ext cx="3122587" cy="1639358"/>
+          </a:xfrm>
+          <a:prstGeom prst="rect">
+            <a:avLst/>
+          </a:prstGeom>
+          <a:noFill/>
+          <a:extLst>
+            <a:ext uri="{909E8E84-426E-40DD-AFC4-6F175D3DCCD1}">
+              <a14:hiddenFill xmlns:a14="http://schemas.microsoft.com/office/drawing/2010/main">
+                <a:solidFill>
+                  <a:srgbClr val="FFFFFF"/>
+                </a:solidFill>
+              </a14:hiddenFill>
+            </a:ext>
+          </a:extLst>
+        </p:spPr>
+      </p:pic>
+      <p:pic>
+        <p:nvPicPr>
+          <p:cNvPr id="1032" name="Picture 8" descr="Image result for pycharm"/>
+          <p:cNvPicPr>
+            <a:picLocks noChangeAspect="1" noChangeArrowheads="1"/>
+          </p:cNvPicPr>
+          <p:nvPr/>
+        </p:nvPicPr>
+        <p:blipFill>
+          <a:blip r:embed="rId5" cstate="print">
+            <a:extLst>
+              <a:ext uri="{28A0092B-C50C-407E-A947-70E740481C1C}">
+                <a14:useLocalDpi xmlns:a14="http://schemas.microsoft.com/office/drawing/2010/main" val="0"/>
+              </a:ext>
+            </a:extLst>
+          </a:blip>
+          <a:srcRect/>
+          <a:stretch>
+            <a:fillRect/>
+          </a:stretch>
+        </p:blipFill>
+        <p:spPr bwMode="auto">
+          <a:xfrm>
+            <a:off x="1191683" y="4280170"/>
+            <a:ext cx="1828800" cy="1828800"/>
+          </a:xfrm>
+          <a:prstGeom prst="rect">
+            <a:avLst/>
+          </a:prstGeom>
+          <a:noFill/>
+          <a:extLst>
+            <a:ext uri="{909E8E84-426E-40DD-AFC4-6F175D3DCCD1}">
+              <a14:hiddenFill xmlns:a14="http://schemas.microsoft.com/office/drawing/2010/main">
+                <a:solidFill>
+                  <a:srgbClr val="FFFFFF"/>
+                </a:solidFill>
+              </a14:hiddenFill>
+            </a:ext>
+          </a:extLst>
+        </p:spPr>
+      </p:pic>
+      <p:sp>
+        <p:nvSpPr>
+          <p:cNvPr id="4" name="Rectangle 3"/>
           <p:cNvSpPr/>
           <p:nvPr/>
         </p:nvSpPr>
         <p:spPr>
           <a:xfrm>
-            <a:off x="241300" y="1267305"/>
-            <a:ext cx="11727180" cy="1200329"/>
+            <a:off x="6223000" y="3911813"/>
+            <a:ext cx="6096000" cy="646331"/>
           </a:xfrm>
           <a:prstGeom prst="rect">
             <a:avLst/>
           </a:prstGeom>
         </p:spPr>
         <p:txBody>
-          <a:bodyPr wrap="square">
+          <a:bodyPr>
             <a:spAutoFit/>
           </a:bodyPr>
           <a:lstStyle/>
           <a:p>
-            <a:pPr marL="285750" indent="-285750">
-              <a:lnSpc>
-                <a:spcPct val="200000"/>
-              </a:lnSpc>
-              <a:buFont typeface="Arial" panose="020B0604020202020204" pitchFamily="34" charset="0"/>
-              <a:buChar char="•"/>
-            </a:pPr>
+            <a:r>
+              <a:rPr lang="en-US" dirty="0">
+                <a:hlinkClick r:id="rId6"/>
+              </a:rPr>
+              <a:t>https://github.com/</a:t>
+            </a:r>
+            <a:r>
+              <a:rPr lang="en-US" dirty="0" err="1">
+                <a:hlinkClick r:id="rId6"/>
+              </a:rPr>
+              <a:t>chulminy</a:t>
+            </a:r>
+            <a:r>
+              <a:rPr lang="en-US" dirty="0">
+                <a:hlinkClick r:id="rId6"/>
+              </a:rPr>
+              <a:t>/CIVE497-CIVE700/compare/b80b422..</a:t>
+            </a:r>
             <a:r>
               <a:rPr lang="en-US" dirty="0" smtClean="0">
-                <a:solidFill>
-                  <a:srgbClr val="24292E"/>
-                </a:solidFill>
-                <a:latin typeface="-apple-system"/>
+                <a:hlinkClick r:id="rId6"/>
               </a:rPr>
-              <a:t>Run</a:t>
-            </a:r>
-          </a:p>
-          <a:p>
-            <a:pPr marL="285750" indent="-285750">
-              <a:lnSpc>
-                <a:spcPct val="200000"/>
-              </a:lnSpc>
-              <a:buFont typeface="Arial" panose="020B0604020202020204" pitchFamily="34" charset="0"/>
-              <a:buChar char="•"/>
-            </a:pPr>
-            <a:r>
-              <a:rPr lang="en-US" b="0" i="0" dirty="0" smtClean="0">
-                <a:solidFill>
-                  <a:srgbClr val="24292E"/>
-                </a:solidFill>
-                <a:effectLst/>
-                <a:latin typeface="-apple-system"/>
-              </a:rPr>
-              <a:t>Run Section</a:t>
-            </a:r>
-            <a:endParaRPr lang="en-US" b="0" i="0" dirty="0">
-              <a:solidFill>
-                <a:srgbClr val="24292E"/>
-              </a:solidFill>
-              <a:effectLst/>
-              <a:latin typeface="-apple-system"/>
-            </a:endParaRPr>
+              <a:t>cfbbc73</a:t>
+            </a:r>
+            <a:r>
+              <a:rPr lang="en-US" dirty="0" smtClean="0"/>
+              <a:t> </a:t>
+            </a:r>
+            <a:endParaRPr lang="en-US" dirty="0"/>
           </a:p>
         </p:txBody>
       </p:sp>
@@ -5017,7 +5164,7 @@
         <p:spPr>
           <a:xfrm>
             <a:off x="241300" y="1168400"/>
-            <a:ext cx="11686540" cy="4154984"/>
+            <a:ext cx="11686540" cy="4524315"/>
           </a:xfrm>
           <a:prstGeom prst="rect">
             <a:avLst/>
@@ -5101,13 +5248,7 @@
               <a:rPr lang="en-US" sz="2400" dirty="0" smtClean="0">
                 <a:cs typeface="Arial" pitchFamily="34" charset="0"/>
               </a:rPr>
-              <a:t>Get your project idea from the course and the instructor's prior </a:t>
-            </a:r>
-            <a:r>
-              <a:rPr lang="en-US" sz="2400" dirty="0" smtClean="0">
-                <a:cs typeface="Arial" pitchFamily="34" charset="0"/>
-              </a:rPr>
-              <a:t>research</a:t>
+              <a:t>Get your project idea from the course and the instructor's prior research</a:t>
             </a:r>
           </a:p>
           <a:p>
@@ -5119,8 +5260,35 @@
               <a:rPr lang="en-US" sz="2400" dirty="0" smtClean="0">
                 <a:cs typeface="Arial" pitchFamily="34" charset="0"/>
               </a:rPr>
-              <a:t>Make friends who are good at coding. </a:t>
-            </a:r>
+              <a:t>Make friends who are good at </a:t>
+            </a:r>
+            <a:r>
+              <a:rPr lang="en-US" sz="2400" dirty="0" smtClean="0">
+                <a:cs typeface="Arial" pitchFamily="34" charset="0"/>
+              </a:rPr>
+              <a:t>coding</a:t>
+            </a:r>
+            <a:r>
+              <a:rPr lang="en-US" sz="2400" dirty="0">
+                <a:cs typeface="Arial" pitchFamily="34" charset="0"/>
+              </a:rPr>
+              <a:t> </a:t>
+            </a:r>
+            <a:r>
+              <a:rPr lang="en-US" sz="2400" dirty="0" smtClean="0">
+                <a:cs typeface="Arial" pitchFamily="34" charset="0"/>
+              </a:rPr>
+              <a:t>and become your research partner. </a:t>
+            </a:r>
+            <a:endParaRPr lang="en-US" sz="2400" dirty="0" smtClean="0">
+              <a:cs typeface="Arial" pitchFamily="34" charset="0"/>
+            </a:endParaRPr>
+          </a:p>
+          <a:p>
+            <a:pPr marL="342900" indent="-342900">
+              <a:buFont typeface="Arial" panose="020B0604020202020204" pitchFamily="34" charset="0"/>
+              <a:buChar char="•"/>
+            </a:pPr>
             <a:endParaRPr lang="en-US" sz="2400" dirty="0" smtClean="0">
               <a:cs typeface="Arial" pitchFamily="34" charset="0"/>
             </a:endParaRPr>
